--- a/Fájlkezelés.pptx
+++ b/Fájlkezelés.pptx
@@ -8,8 +8,11 @@
     <p:sldId id="256" r:id="rId2"/>
     <p:sldId id="257" r:id="rId3"/>
     <p:sldId id="258" r:id="rId4"/>
-    <p:sldId id="259" r:id="rId5"/>
-    <p:sldId id="260" r:id="rId6"/>
+    <p:sldId id="265" r:id="rId5"/>
+    <p:sldId id="262" r:id="rId6"/>
+    <p:sldId id="263" r:id="rId7"/>
+    <p:sldId id="264" r:id="rId8"/>
+    <p:sldId id="261" r:id="rId9"/>
   </p:sldIdLst>
   <p:sldSz cx="12192000" cy="6858000"/>
   <p:notesSz cx="6858000" cy="9144000"/>
@@ -5986,10 +5989,10 @@
       </p:sp>
       <p:sp>
         <p:nvSpPr>
-          <p:cNvPr id="3" name="Szövegdoboz 2">
-            <a:extLst>
-              <a:ext uri="{FF2B5EF4-FFF2-40B4-BE49-F238E27FC236}">
-                <a16:creationId xmlns:a16="http://schemas.microsoft.com/office/drawing/2014/main" id="{3FBF870C-F528-0C81-4603-2E60D6225B35}"/>
+          <p:cNvPr id="4" name="Szövegdoboz 3">
+            <a:extLst>
+              <a:ext uri="{FF2B5EF4-FFF2-40B4-BE49-F238E27FC236}">
+                <a16:creationId xmlns:a16="http://schemas.microsoft.com/office/drawing/2014/main" id="{CAB4DF12-3867-D7F6-CC43-15F641BDFC88}"/>
               </a:ext>
             </a:extLst>
           </p:cNvPr>
@@ -5998,8 +6001,8 @@
         </p:nvSpPr>
         <p:spPr>
           <a:xfrm>
-            <a:off x="3012656" y="2708813"/>
-            <a:ext cx="5578414" cy="3970318"/>
+            <a:off x="954907" y="2909333"/>
+            <a:ext cx="4820940" cy="1077218"/>
           </a:xfrm>
           <a:prstGeom prst="rect">
             <a:avLst/>
@@ -6013,13 +6016,14 @@
           <a:lstStyle/>
           <a:p>
             <a:r>
-              <a:rPr lang="hu-HU" dirty="0">
+              <a:rPr lang="hu-HU" sz="3200" b="1" dirty="0">
                 <a:solidFill>
                   <a:schemeClr val="bg1"/>
                 </a:solidFill>
-                <a:latin typeface="Arial Black" panose="020B0A04020102020204" pitchFamily="34" charset="0"/>
+                <a:latin typeface="Aharoni" panose="02010803020104030203" pitchFamily="2" charset="-79"/>
+                <a:cs typeface="Aharoni" panose="02010803020104030203" pitchFamily="2" charset="-79"/>
               </a:rPr>
-              <a:t>Hanna: </a:t>
+              <a:t>Hanna</a:t>
             </a:r>
           </a:p>
           <a:p>
@@ -6028,32 +6032,55 @@
               <a:buChar char="•"/>
             </a:pPr>
             <a:r>
-              <a:rPr lang="hu-HU" dirty="0">
+              <a:rPr lang="hu-HU" sz="3200" b="1" dirty="0">
                 <a:solidFill>
                   <a:schemeClr val="bg1"/>
                 </a:solidFill>
-                <a:latin typeface="Arial Black" panose="020B0A04020102020204" pitchFamily="34" charset="0"/>
+                <a:latin typeface="Aharoni" panose="02010803020104030203" pitchFamily="2" charset="-79"/>
+                <a:cs typeface="Aharoni" panose="02010803020104030203" pitchFamily="2" charset="-79"/>
               </a:rPr>
               <a:t>Prezentáció készítése</a:t>
             </a:r>
           </a:p>
-          <a:p>
-            <a:endParaRPr lang="hu-HU" dirty="0">
-              <a:solidFill>
-                <a:schemeClr val="bg1"/>
-              </a:solidFill>
-              <a:latin typeface="Arial Black" panose="020B0A04020102020204" pitchFamily="34" charset="0"/>
-            </a:endParaRPr>
-          </a:p>
-          <a:p>
-            <a:r>
-              <a:rPr lang="hu-HU" dirty="0">
+        </p:txBody>
+      </p:sp>
+      <p:sp>
+        <p:nvSpPr>
+          <p:cNvPr id="5" name="Szövegdoboz 4">
+            <a:extLst>
+              <a:ext uri="{FF2B5EF4-FFF2-40B4-BE49-F238E27FC236}">
+                <a16:creationId xmlns:a16="http://schemas.microsoft.com/office/drawing/2014/main" id="{3698124C-4AB9-060C-56E6-D12AB876B009}"/>
+              </a:ext>
+            </a:extLst>
+          </p:cNvPr>
+          <p:cNvSpPr txBox="1"/>
+          <p:nvPr/>
+        </p:nvSpPr>
+        <p:spPr>
+          <a:xfrm>
+            <a:off x="7293347" y="3350939"/>
+            <a:ext cx="4820940" cy="1077218"/>
+          </a:xfrm>
+          <a:prstGeom prst="rect">
+            <a:avLst/>
+          </a:prstGeom>
+          <a:noFill/>
+        </p:spPr>
+        <p:txBody>
+          <a:bodyPr wrap="square" rtlCol="0">
+            <a:spAutoFit/>
+          </a:bodyPr>
+          <a:lstStyle/>
+          <a:p>
+            <a:r>
+              <a:rPr lang="hu-HU" sz="3200" b="1" dirty="0">
                 <a:solidFill>
                   <a:schemeClr val="bg1"/>
                 </a:solidFill>
-                <a:latin typeface="Arial Black" panose="020B0A04020102020204" pitchFamily="34" charset="0"/>
+                <a:latin typeface="Aharoni" panose="02010803020104030203" pitchFamily="2" charset="-79"/>
+                <a:cs typeface="Aharoni" panose="02010803020104030203" pitchFamily="2" charset="-79"/>
               </a:rPr>
-              <a:t>Marci és Alex:</a:t>
+              <a:t>Marci és Alex</a:t>
             </a:r>
           </a:p>
           <a:p>
@@ -6062,13 +6089,55 @@
               <a:buChar char="•"/>
             </a:pPr>
             <a:r>
-              <a:rPr lang="hu-HU" dirty="0">
+              <a:rPr lang="hu-HU" sz="3200" b="1" dirty="0">
                 <a:solidFill>
                   <a:schemeClr val="bg1"/>
                 </a:solidFill>
-                <a:latin typeface="Arial Black" panose="020B0A04020102020204" pitchFamily="34" charset="0"/>
+                <a:latin typeface="Aharoni" panose="02010803020104030203" pitchFamily="2" charset="-79"/>
+                <a:cs typeface="Aharoni" panose="02010803020104030203" pitchFamily="2" charset="-79"/>
               </a:rPr>
               <a:t>Alap és kinézet</a:t>
+            </a:r>
+          </a:p>
+        </p:txBody>
+      </p:sp>
+      <p:sp>
+        <p:nvSpPr>
+          <p:cNvPr id="6" name="Szövegdoboz 5">
+            <a:extLst>
+              <a:ext uri="{FF2B5EF4-FFF2-40B4-BE49-F238E27FC236}">
+                <a16:creationId xmlns:a16="http://schemas.microsoft.com/office/drawing/2014/main" id="{763CC1E5-F068-9642-6F20-044E134682F8}"/>
+              </a:ext>
+            </a:extLst>
+          </p:cNvPr>
+          <p:cNvSpPr txBox="1"/>
+          <p:nvPr/>
+        </p:nvSpPr>
+        <p:spPr>
+          <a:xfrm>
+            <a:off x="455521" y="4370996"/>
+            <a:ext cx="6991265" cy="1077218"/>
+          </a:xfrm>
+          <a:prstGeom prst="rect">
+            <a:avLst/>
+          </a:prstGeom>
+          <a:noFill/>
+        </p:spPr>
+        <p:txBody>
+          <a:bodyPr wrap="square" rtlCol="0">
+            <a:spAutoFit/>
+          </a:bodyPr>
+          <a:lstStyle/>
+          <a:p>
+            <a:r>
+              <a:rPr lang="hu-HU" sz="3200" b="1" dirty="0">
+                <a:solidFill>
+                  <a:schemeClr val="bg1"/>
+                </a:solidFill>
+                <a:latin typeface="Aharoni" panose="02010803020104030203" pitchFamily="2" charset="-79"/>
+                <a:cs typeface="Aharoni" panose="02010803020104030203" pitchFamily="2" charset="-79"/>
+              </a:rPr>
+              <a:t>Alex</a:t>
             </a:r>
           </a:p>
           <a:p>
@@ -6076,22 +6145,56 @@
               <a:buFont typeface="Arial" panose="020B0604020202020204" pitchFamily="34" charset="0"/>
               <a:buChar char="•"/>
             </a:pPr>
-            <a:endParaRPr lang="hu-HU" dirty="0">
-              <a:solidFill>
-                <a:schemeClr val="bg1"/>
-              </a:solidFill>
-              <a:latin typeface="Arial Black" panose="020B0A04020102020204" pitchFamily="34" charset="0"/>
-            </a:endParaRPr>
-          </a:p>
-          <a:p>
-            <a:r>
-              <a:rPr lang="hu-HU" dirty="0">
+            <a:r>
+              <a:rPr lang="hu-HU" sz="3200" b="1" dirty="0">
                 <a:solidFill>
                   <a:schemeClr val="bg1"/>
                 </a:solidFill>
-                <a:latin typeface="Arial Black" panose="020B0A04020102020204" pitchFamily="34" charset="0"/>
+                <a:latin typeface="Aharoni" panose="02010803020104030203" pitchFamily="2" charset="-79"/>
+                <a:cs typeface="Aharoni" panose="02010803020104030203" pitchFamily="2" charset="-79"/>
               </a:rPr>
-              <a:t>Alex:</a:t>
+              <a:t>Fájlok, mappák listázása, szűrése</a:t>
+            </a:r>
+          </a:p>
+        </p:txBody>
+      </p:sp>
+      <p:sp>
+        <p:nvSpPr>
+          <p:cNvPr id="7" name="Szövegdoboz 6">
+            <a:extLst>
+              <a:ext uri="{FF2B5EF4-FFF2-40B4-BE49-F238E27FC236}">
+                <a16:creationId xmlns:a16="http://schemas.microsoft.com/office/drawing/2014/main" id="{62B554DC-C5A8-1262-5B85-A6F268471A3B}"/>
+              </a:ext>
+            </a:extLst>
+          </p:cNvPr>
+          <p:cNvSpPr txBox="1"/>
+          <p:nvPr/>
+        </p:nvSpPr>
+        <p:spPr>
+          <a:xfrm>
+            <a:off x="6652620" y="871178"/>
+            <a:ext cx="5324731" cy="1077218"/>
+          </a:xfrm>
+          <a:prstGeom prst="rect">
+            <a:avLst/>
+          </a:prstGeom>
+          <a:noFill/>
+        </p:spPr>
+        <p:txBody>
+          <a:bodyPr wrap="square" rtlCol="0">
+            <a:spAutoFit/>
+          </a:bodyPr>
+          <a:lstStyle/>
+          <a:p>
+            <a:r>
+              <a:rPr lang="hu-HU" sz="3200" b="1" dirty="0">
+                <a:solidFill>
+                  <a:schemeClr val="bg1"/>
+                </a:solidFill>
+                <a:latin typeface="Aharoni" panose="02010803020104030203" pitchFamily="2" charset="-79"/>
+                <a:cs typeface="Aharoni" panose="02010803020104030203" pitchFamily="2" charset="-79"/>
+              </a:rPr>
+              <a:t>Közös</a:t>
             </a:r>
           </a:p>
           <a:p>
@@ -6100,13 +6203,55 @@
               <a:buChar char="•"/>
             </a:pPr>
             <a:r>
-              <a:rPr lang="hu-HU" dirty="0">
+              <a:rPr lang="hu-HU" sz="3200" b="1" dirty="0">
                 <a:solidFill>
                   <a:schemeClr val="bg1"/>
                 </a:solidFill>
-                <a:latin typeface="Arial Black" panose="020B0A04020102020204" pitchFamily="34" charset="0"/>
+                <a:latin typeface="Aharoni" panose="02010803020104030203" pitchFamily="2" charset="-79"/>
+                <a:cs typeface="Aharoni" panose="02010803020104030203" pitchFamily="2" charset="-79"/>
               </a:rPr>
-              <a:t>Fájlok, mappák, listázások szűrése</a:t>
+              <a:t>Alapötlet és egyeztetés</a:t>
+            </a:r>
+          </a:p>
+        </p:txBody>
+      </p:sp>
+      <p:sp>
+        <p:nvSpPr>
+          <p:cNvPr id="9" name="Szövegdoboz 8">
+            <a:extLst>
+              <a:ext uri="{FF2B5EF4-FFF2-40B4-BE49-F238E27FC236}">
+                <a16:creationId xmlns:a16="http://schemas.microsoft.com/office/drawing/2014/main" id="{B348215D-EAF6-EB88-1B8A-3FB51C688D81}"/>
+              </a:ext>
+            </a:extLst>
+          </p:cNvPr>
+          <p:cNvSpPr txBox="1"/>
+          <p:nvPr/>
+        </p:nvSpPr>
+        <p:spPr>
+          <a:xfrm>
+            <a:off x="4161011" y="5695717"/>
+            <a:ext cx="8115546" cy="1077218"/>
+          </a:xfrm>
+          <a:prstGeom prst="rect">
+            <a:avLst/>
+          </a:prstGeom>
+          <a:noFill/>
+        </p:spPr>
+        <p:txBody>
+          <a:bodyPr wrap="square" rtlCol="0">
+            <a:spAutoFit/>
+          </a:bodyPr>
+          <a:lstStyle/>
+          <a:p>
+            <a:r>
+              <a:rPr lang="hu-HU" sz="3200" b="1" dirty="0">
+                <a:solidFill>
+                  <a:schemeClr val="bg1"/>
+                </a:solidFill>
+                <a:latin typeface="Aharoni" panose="02010803020104030203" pitchFamily="2" charset="-79"/>
+                <a:cs typeface="Aharoni" panose="02010803020104030203" pitchFamily="2" charset="-79"/>
+              </a:rPr>
+              <a:t>Marci</a:t>
             </a:r>
           </a:p>
           <a:p>
@@ -6114,75 +6259,15 @@
               <a:buFont typeface="Arial" panose="020B0604020202020204" pitchFamily="34" charset="0"/>
               <a:buChar char="•"/>
             </a:pPr>
-            <a:endParaRPr lang="hu-HU" dirty="0">
-              <a:solidFill>
-                <a:schemeClr val="bg1"/>
-              </a:solidFill>
-              <a:latin typeface="Arial Black" panose="020B0A04020102020204" pitchFamily="34" charset="0"/>
-            </a:endParaRPr>
-          </a:p>
-          <a:p>
-            <a:r>
-              <a:rPr lang="hu-HU" dirty="0">
+            <a:r>
+              <a:rPr lang="hu-HU" sz="3200" b="1" dirty="0">
                 <a:solidFill>
                   <a:schemeClr val="bg1"/>
                 </a:solidFill>
-                <a:latin typeface="Arial Black" panose="020B0A04020102020204" pitchFamily="34" charset="0"/>
+                <a:latin typeface="Aharoni" panose="02010803020104030203" pitchFamily="2" charset="-79"/>
+                <a:cs typeface="Aharoni" panose="02010803020104030203" pitchFamily="2" charset="-79"/>
               </a:rPr>
-              <a:t>Marci:</a:t>
-            </a:r>
-          </a:p>
-          <a:p>
-            <a:pPr marL="285750" indent="-285750">
-              <a:buFont typeface="Arial" panose="020B0604020202020204" pitchFamily="34" charset="0"/>
-              <a:buChar char="•"/>
-            </a:pPr>
-            <a:r>
-              <a:rPr lang="hu-HU" dirty="0">
-                <a:solidFill>
-                  <a:schemeClr val="bg1"/>
-                </a:solidFill>
-                <a:latin typeface="Arial Black" panose="020B0A04020102020204" pitchFamily="34" charset="0"/>
-              </a:rPr>
-              <a:t>Másolási funkciók</a:t>
-            </a:r>
-          </a:p>
-          <a:p>
-            <a:pPr marL="285750" indent="-285750">
-              <a:buFont typeface="Arial" panose="020B0604020202020204" pitchFamily="34" charset="0"/>
-              <a:buChar char="•"/>
-            </a:pPr>
-            <a:endParaRPr lang="hu-HU" dirty="0">
-              <a:solidFill>
-                <a:schemeClr val="bg1"/>
-              </a:solidFill>
-              <a:latin typeface="Arial Black" panose="020B0A04020102020204" pitchFamily="34" charset="0"/>
-            </a:endParaRPr>
-          </a:p>
-          <a:p>
-            <a:r>
-              <a:rPr lang="hu-HU" dirty="0">
-                <a:solidFill>
-                  <a:schemeClr val="bg1"/>
-                </a:solidFill>
-                <a:latin typeface="Arial Black" panose="020B0A04020102020204" pitchFamily="34" charset="0"/>
-              </a:rPr>
-              <a:t>Közös:</a:t>
-            </a:r>
-          </a:p>
-          <a:p>
-            <a:pPr marL="285750" indent="-285750">
-              <a:buFont typeface="Arial" panose="020B0604020202020204" pitchFamily="34" charset="0"/>
-              <a:buChar char="•"/>
-            </a:pPr>
-            <a:r>
-              <a:rPr lang="hu-HU" dirty="0">
-                <a:solidFill>
-                  <a:schemeClr val="bg1"/>
-                </a:solidFill>
-                <a:latin typeface="Arial Black" panose="020B0A04020102020204" pitchFamily="34" charset="0"/>
-              </a:rPr>
-              <a:t>Alapötlet, egyeztetés</a:t>
+              <a:t>Másolási funkció, mappák létrehozása</a:t>
             </a:r>
           </a:p>
         </p:txBody>
@@ -6209,6 +6294,742 @@
     <p:bg>
       <p:bgPr>
         <a:solidFill>
+          <a:srgbClr val="0E1116"/>
+        </a:solidFill>
+        <a:effectLst/>
+      </p:bgPr>
+    </p:bg>
+    <p:spTree>
+      <p:nvGrpSpPr>
+        <p:cNvPr id="1" name=""/>
+        <p:cNvGrpSpPr/>
+        <p:nvPr/>
+      </p:nvGrpSpPr>
+      <p:grpSpPr>
+        <a:xfrm>
+          <a:off x="0" y="0"/>
+          <a:ext cx="0" cy="0"/>
+          <a:chOff x="0" y="0"/>
+          <a:chExt cx="0" cy="0"/>
+        </a:xfrm>
+      </p:grpSpPr>
+      <p:sp>
+        <p:nvSpPr>
+          <p:cNvPr id="2" name="Cím 1">
+            <a:extLst>
+              <a:ext uri="{FF2B5EF4-FFF2-40B4-BE49-F238E27FC236}">
+                <a16:creationId xmlns:a16="http://schemas.microsoft.com/office/drawing/2014/main" id="{AA9A0B10-1FDE-2C37-766E-FC30F113A898}"/>
+              </a:ext>
+            </a:extLst>
+          </p:cNvPr>
+          <p:cNvSpPr txBox="1">
+            <a:spLocks/>
+          </p:cNvSpPr>
+          <p:nvPr/>
+        </p:nvSpPr>
+        <p:spPr>
+          <a:xfrm>
+            <a:off x="109267" y="173757"/>
+            <a:ext cx="6603508" cy="1144622"/>
+          </a:xfrm>
+          <a:prstGeom prst="rect">
+            <a:avLst/>
+          </a:prstGeom>
+        </p:spPr>
+        <p:txBody>
+          <a:bodyPr>
+            <a:noAutofit/>
+          </a:bodyPr>
+          <a:lstStyle>
+            <a:lvl1pPr algn="l" defTabSz="914400" rtl="0" eaLnBrk="1" latinLnBrk="0" hangingPunct="1">
+              <a:lnSpc>
+                <a:spcPct val="90000"/>
+              </a:lnSpc>
+              <a:spcBef>
+                <a:spcPct val="0"/>
+              </a:spcBef>
+              <a:buNone/>
+              <a:defRPr sz="4400" kern="1200">
+                <a:solidFill>
+                  <a:schemeClr val="tx1"/>
+                </a:solidFill>
+                <a:latin typeface="+mj-lt"/>
+                <a:ea typeface="+mj-ea"/>
+                <a:cs typeface="+mj-cs"/>
+              </a:defRPr>
+            </a:lvl1pPr>
+          </a:lstStyle>
+          <a:p>
+            <a:r>
+              <a:rPr lang="hu-HU" sz="10000" b="1" dirty="0">
+                <a:solidFill>
+                  <a:schemeClr val="bg1"/>
+                </a:solidFill>
+                <a:latin typeface="Bauhaus 93" panose="04030905020B02020C02" pitchFamily="82" charset="0"/>
+              </a:rPr>
+              <a:t>GitHub</a:t>
+            </a:r>
+          </a:p>
+        </p:txBody>
+      </p:sp>
+      <p:sp>
+        <p:nvSpPr>
+          <p:cNvPr id="3" name="Szövegdoboz 2">
+            <a:extLst>
+              <a:ext uri="{FF2B5EF4-FFF2-40B4-BE49-F238E27FC236}">
+                <a16:creationId xmlns:a16="http://schemas.microsoft.com/office/drawing/2014/main" id="{BC21FE0F-E199-4814-24F4-70E87332AA37}"/>
+              </a:ext>
+            </a:extLst>
+          </p:cNvPr>
+          <p:cNvSpPr txBox="1"/>
+          <p:nvPr/>
+        </p:nvSpPr>
+        <p:spPr>
+          <a:xfrm>
+            <a:off x="488249" y="1690214"/>
+            <a:ext cx="6413387" cy="1077218"/>
+          </a:xfrm>
+          <a:prstGeom prst="rect">
+            <a:avLst/>
+          </a:prstGeom>
+          <a:noFill/>
+        </p:spPr>
+        <p:txBody>
+          <a:bodyPr wrap="square" rtlCol="0">
+            <a:spAutoFit/>
+          </a:bodyPr>
+          <a:lstStyle/>
+          <a:p>
+            <a:r>
+              <a:rPr lang="hu-HU" sz="3200" b="1" dirty="0">
+                <a:solidFill>
+                  <a:schemeClr val="bg1"/>
+                </a:solidFill>
+                <a:latin typeface="Aharoni" panose="02010803020104030203" pitchFamily="2" charset="-79"/>
+                <a:cs typeface="Aharoni" panose="02010803020104030203" pitchFamily="2" charset="-79"/>
+              </a:rPr>
+              <a:t>Dokumentáció</a:t>
+            </a:r>
+          </a:p>
+          <a:p>
+            <a:pPr marL="285750" indent="-285750">
+              <a:buFont typeface="Arial" panose="020B0604020202020204" pitchFamily="34" charset="0"/>
+              <a:buChar char="•"/>
+            </a:pPr>
+            <a:r>
+              <a:rPr lang="hu-HU" sz="3200" b="1" dirty="0">
+                <a:solidFill>
+                  <a:schemeClr val="bg1"/>
+                </a:solidFill>
+                <a:latin typeface="Aharoni" panose="02010803020104030203" pitchFamily="2" charset="-79"/>
+                <a:cs typeface="Aharoni" panose="02010803020104030203" pitchFamily="2" charset="-79"/>
+              </a:rPr>
+              <a:t>README/projekt bemutatása</a:t>
+            </a:r>
+          </a:p>
+        </p:txBody>
+      </p:sp>
+      <p:sp>
+        <p:nvSpPr>
+          <p:cNvPr id="4" name="Szövegdoboz 3">
+            <a:extLst>
+              <a:ext uri="{FF2B5EF4-FFF2-40B4-BE49-F238E27FC236}">
+                <a16:creationId xmlns:a16="http://schemas.microsoft.com/office/drawing/2014/main" id="{56DE9C24-054F-ADB2-2840-16C9AC0BC49A}"/>
+              </a:ext>
+            </a:extLst>
+          </p:cNvPr>
+          <p:cNvSpPr txBox="1"/>
+          <p:nvPr/>
+        </p:nvSpPr>
+        <p:spPr>
+          <a:xfrm>
+            <a:off x="546339" y="3026703"/>
+            <a:ext cx="6040939" cy="1077218"/>
+          </a:xfrm>
+          <a:prstGeom prst="rect">
+            <a:avLst/>
+          </a:prstGeom>
+          <a:noFill/>
+        </p:spPr>
+        <p:txBody>
+          <a:bodyPr wrap="square" rtlCol="0">
+            <a:spAutoFit/>
+          </a:bodyPr>
+          <a:lstStyle/>
+          <a:p>
+            <a:r>
+              <a:rPr lang="hu-HU" sz="3200" b="1" dirty="0">
+                <a:solidFill>
+                  <a:schemeClr val="bg1"/>
+                </a:solidFill>
+                <a:latin typeface="Aharoni" panose="02010803020104030203" pitchFamily="2" charset="-79"/>
+                <a:cs typeface="Aharoni" panose="02010803020104030203" pitchFamily="2" charset="-79"/>
+              </a:rPr>
+              <a:t>Verziókövetés</a:t>
+            </a:r>
+          </a:p>
+          <a:p>
+            <a:pPr marL="285750" indent="-285750">
+              <a:buFont typeface="Arial" panose="020B0604020202020204" pitchFamily="34" charset="0"/>
+              <a:buChar char="•"/>
+            </a:pPr>
+            <a:r>
+              <a:rPr lang="hu-HU" sz="3200" b="1" dirty="0">
+                <a:solidFill>
+                  <a:schemeClr val="bg1"/>
+                </a:solidFill>
+                <a:latin typeface="Aharoni" panose="02010803020104030203" pitchFamily="2" charset="-79"/>
+                <a:cs typeface="Aharoni" panose="02010803020104030203" pitchFamily="2" charset="-79"/>
+              </a:rPr>
+              <a:t>Változtatások/módosítások</a:t>
+            </a:r>
+          </a:p>
+        </p:txBody>
+      </p:sp>
+      <p:pic>
+        <p:nvPicPr>
+          <p:cNvPr id="5" name="Kép 4">
+            <a:extLst>
+              <a:ext uri="{FF2B5EF4-FFF2-40B4-BE49-F238E27FC236}">
+                <a16:creationId xmlns:a16="http://schemas.microsoft.com/office/drawing/2014/main" id="{164D7B90-AA4E-3613-FE31-4DA2E3AAF504}"/>
+              </a:ext>
+            </a:extLst>
+          </p:cNvPr>
+          <p:cNvPicPr>
+            <a:picLocks noChangeAspect="1"/>
+          </p:cNvPicPr>
+          <p:nvPr/>
+        </p:nvPicPr>
+        <p:blipFill>
+          <a:blip r:embed="rId2"/>
+          <a:stretch>
+            <a:fillRect/>
+          </a:stretch>
+        </p:blipFill>
+        <p:spPr>
+          <a:xfrm>
+            <a:off x="109267" y="4497053"/>
+            <a:ext cx="7171352" cy="2147865"/>
+          </a:xfrm>
+          <a:prstGeom prst="rect">
+            <a:avLst/>
+          </a:prstGeom>
+        </p:spPr>
+      </p:pic>
+      <p:pic>
+        <p:nvPicPr>
+          <p:cNvPr id="9" name="Kép 8">
+            <a:extLst>
+              <a:ext uri="{FF2B5EF4-FFF2-40B4-BE49-F238E27FC236}">
+                <a16:creationId xmlns:a16="http://schemas.microsoft.com/office/drawing/2014/main" id="{DF64C1E2-F42A-2135-DA21-AA0439F5BC4F}"/>
+              </a:ext>
+            </a:extLst>
+          </p:cNvPr>
+          <p:cNvPicPr>
+            <a:picLocks noChangeAspect="1"/>
+          </p:cNvPicPr>
+          <p:nvPr/>
+        </p:nvPicPr>
+        <p:blipFill>
+          <a:blip r:embed="rId3"/>
+          <a:stretch>
+            <a:fillRect/>
+          </a:stretch>
+        </p:blipFill>
+        <p:spPr>
+          <a:xfrm>
+            <a:off x="7588995" y="3429000"/>
+            <a:ext cx="4325755" cy="1821371"/>
+          </a:xfrm>
+          <a:prstGeom prst="rect">
+            <a:avLst/>
+          </a:prstGeom>
+        </p:spPr>
+      </p:pic>
+      <p:pic>
+        <p:nvPicPr>
+          <p:cNvPr id="11" name="Kép 10">
+            <a:extLst>
+              <a:ext uri="{FF2B5EF4-FFF2-40B4-BE49-F238E27FC236}">
+                <a16:creationId xmlns:a16="http://schemas.microsoft.com/office/drawing/2014/main" id="{41BF7813-0A1D-13F8-5A75-6B18F072ABD4}"/>
+              </a:ext>
+            </a:extLst>
+          </p:cNvPr>
+          <p:cNvPicPr>
+            <a:picLocks noChangeAspect="1"/>
+          </p:cNvPicPr>
+          <p:nvPr/>
+        </p:nvPicPr>
+        <p:blipFill>
+          <a:blip r:embed="rId4"/>
+          <a:stretch>
+            <a:fillRect/>
+          </a:stretch>
+        </p:blipFill>
+        <p:spPr>
+          <a:xfrm>
+            <a:off x="6835639" y="128072"/>
+            <a:ext cx="3429796" cy="2436117"/>
+          </a:xfrm>
+          <a:prstGeom prst="rect">
+            <a:avLst/>
+          </a:prstGeom>
+        </p:spPr>
+      </p:pic>
+    </p:spTree>
+    <p:extLst>
+      <p:ext uri="{BB962C8B-B14F-4D97-AF65-F5344CB8AC3E}">
+        <p14:creationId xmlns:p14="http://schemas.microsoft.com/office/powerpoint/2010/main" val="1644271792"/>
+      </p:ext>
+    </p:extLst>
+  </p:cSld>
+  <p:clrMapOvr>
+    <a:masterClrMapping/>
+  </p:clrMapOvr>
+  <p:transition spd="slow">
+    <p:push dir="u"/>
+  </p:transition>
+</p:sld>
+</file>
+
+<file path=ppt/slides/slide5.xml><?xml version="1.0" encoding="utf-8"?>
+<p:sld xmlns:a="http://schemas.openxmlformats.org/drawingml/2006/main" xmlns:r="http://schemas.openxmlformats.org/officeDocument/2006/relationships" xmlns:p="http://schemas.openxmlformats.org/presentationml/2006/main">
+  <p:cSld>
+    <p:bg>
+      <p:bgPr>
+        <a:solidFill>
+          <a:srgbClr val="282C34"/>
+        </a:solidFill>
+        <a:effectLst/>
+      </p:bgPr>
+    </p:bg>
+    <p:spTree>
+      <p:nvGrpSpPr>
+        <p:cNvPr id="1" name=""/>
+        <p:cNvGrpSpPr/>
+        <p:nvPr/>
+      </p:nvGrpSpPr>
+      <p:grpSpPr>
+        <a:xfrm>
+          <a:off x="0" y="0"/>
+          <a:ext cx="0" cy="0"/>
+          <a:chOff x="0" y="0"/>
+          <a:chExt cx="0" cy="0"/>
+        </a:xfrm>
+      </p:grpSpPr>
+      <p:sp>
+        <p:nvSpPr>
+          <p:cNvPr id="2" name="Cím 1">
+            <a:extLst>
+              <a:ext uri="{FF2B5EF4-FFF2-40B4-BE49-F238E27FC236}">
+                <a16:creationId xmlns:a16="http://schemas.microsoft.com/office/drawing/2014/main" id="{3E95B98B-FA6D-5B04-1E62-5C0BB18FB89A}"/>
+              </a:ext>
+            </a:extLst>
+          </p:cNvPr>
+          <p:cNvSpPr txBox="1">
+            <a:spLocks/>
+          </p:cNvSpPr>
+          <p:nvPr/>
+        </p:nvSpPr>
+        <p:spPr>
+          <a:xfrm>
+            <a:off x="40619" y="65155"/>
+            <a:ext cx="8522536" cy="1144622"/>
+          </a:xfrm>
+          <a:prstGeom prst="rect">
+            <a:avLst/>
+          </a:prstGeom>
+        </p:spPr>
+        <p:txBody>
+          <a:bodyPr>
+            <a:noAutofit/>
+          </a:bodyPr>
+          <a:lstStyle>
+            <a:lvl1pPr algn="l" defTabSz="914400" rtl="0" eaLnBrk="1" latinLnBrk="0" hangingPunct="1">
+              <a:lnSpc>
+                <a:spcPct val="90000"/>
+              </a:lnSpc>
+              <a:spcBef>
+                <a:spcPct val="0"/>
+              </a:spcBef>
+              <a:buNone/>
+              <a:defRPr sz="4400" kern="1200">
+                <a:solidFill>
+                  <a:schemeClr val="tx1"/>
+                </a:solidFill>
+                <a:latin typeface="+mj-lt"/>
+                <a:ea typeface="+mj-ea"/>
+                <a:cs typeface="+mj-cs"/>
+              </a:defRPr>
+            </a:lvl1pPr>
+          </a:lstStyle>
+          <a:p>
+            <a:r>
+              <a:rPr lang="hu-HU" sz="10000" b="1" dirty="0">
+                <a:solidFill>
+                  <a:schemeClr val="bg1"/>
+                </a:solidFill>
+                <a:latin typeface="Bauhaus 93" panose="04030905020B02020C02" pitchFamily="82" charset="0"/>
+              </a:rPr>
+              <a:t>Részletek - 01 </a:t>
+            </a:r>
+          </a:p>
+        </p:txBody>
+      </p:sp>
+      <p:pic>
+        <p:nvPicPr>
+          <p:cNvPr id="3" name="Kép 2">
+            <a:extLst>
+              <a:ext uri="{FF2B5EF4-FFF2-40B4-BE49-F238E27FC236}">
+                <a16:creationId xmlns:a16="http://schemas.microsoft.com/office/drawing/2014/main" id="{AFBCFD54-F395-E620-8438-7FB6BB542F67}"/>
+              </a:ext>
+            </a:extLst>
+          </p:cNvPr>
+          <p:cNvPicPr>
+            <a:picLocks noChangeAspect="1"/>
+          </p:cNvPicPr>
+          <p:nvPr/>
+        </p:nvPicPr>
+        <p:blipFill>
+          <a:blip r:embed="rId2"/>
+          <a:stretch>
+            <a:fillRect/>
+          </a:stretch>
+        </p:blipFill>
+        <p:spPr>
+          <a:xfrm>
+            <a:off x="306237" y="1421640"/>
+            <a:ext cx="11579526" cy="5249310"/>
+          </a:xfrm>
+          <a:prstGeom prst="rect">
+            <a:avLst/>
+          </a:prstGeom>
+        </p:spPr>
+      </p:pic>
+    </p:spTree>
+    <p:extLst>
+      <p:ext uri="{BB962C8B-B14F-4D97-AF65-F5344CB8AC3E}">
+        <p14:creationId xmlns:p14="http://schemas.microsoft.com/office/powerpoint/2010/main" val="2299128716"/>
+      </p:ext>
+    </p:extLst>
+  </p:cSld>
+  <p:clrMapOvr>
+    <a:masterClrMapping/>
+  </p:clrMapOvr>
+  <p:transition spd="slow">
+    <p:push dir="u"/>
+  </p:transition>
+</p:sld>
+</file>
+
+<file path=ppt/slides/slide6.xml><?xml version="1.0" encoding="utf-8"?>
+<p:sld xmlns:a="http://schemas.openxmlformats.org/drawingml/2006/main" xmlns:r="http://schemas.openxmlformats.org/officeDocument/2006/relationships" xmlns:p="http://schemas.openxmlformats.org/presentationml/2006/main">
+  <p:cSld>
+    <p:bg>
+      <p:bgPr>
+        <a:solidFill>
+          <a:srgbClr val="282C34"/>
+        </a:solidFill>
+        <a:effectLst/>
+      </p:bgPr>
+    </p:bg>
+    <p:spTree>
+      <p:nvGrpSpPr>
+        <p:cNvPr id="1" name="">
+          <a:extLst>
+            <a:ext uri="{FF2B5EF4-FFF2-40B4-BE49-F238E27FC236}">
+              <a16:creationId xmlns:a16="http://schemas.microsoft.com/office/drawing/2014/main" id="{05004EF4-7C77-26F2-848C-7B419261A171}"/>
+            </a:ext>
+          </a:extLst>
+        </p:cNvPr>
+        <p:cNvGrpSpPr/>
+        <p:nvPr/>
+      </p:nvGrpSpPr>
+      <p:grpSpPr>
+        <a:xfrm>
+          <a:off x="0" y="0"/>
+          <a:ext cx="0" cy="0"/>
+          <a:chOff x="0" y="0"/>
+          <a:chExt cx="0" cy="0"/>
+        </a:xfrm>
+      </p:grpSpPr>
+      <p:sp>
+        <p:nvSpPr>
+          <p:cNvPr id="2" name="Cím 1">
+            <a:extLst>
+              <a:ext uri="{FF2B5EF4-FFF2-40B4-BE49-F238E27FC236}">
+                <a16:creationId xmlns:a16="http://schemas.microsoft.com/office/drawing/2014/main" id="{D0A6AA3F-897D-CBC0-1D97-C34D4A25D6A4}"/>
+              </a:ext>
+            </a:extLst>
+          </p:cNvPr>
+          <p:cNvSpPr txBox="1">
+            <a:spLocks/>
+          </p:cNvSpPr>
+          <p:nvPr/>
+        </p:nvSpPr>
+        <p:spPr>
+          <a:xfrm>
+            <a:off x="40619" y="65155"/>
+            <a:ext cx="8522536" cy="1144622"/>
+          </a:xfrm>
+          <a:prstGeom prst="rect">
+            <a:avLst/>
+          </a:prstGeom>
+        </p:spPr>
+        <p:txBody>
+          <a:bodyPr>
+            <a:noAutofit/>
+          </a:bodyPr>
+          <a:lstStyle>
+            <a:lvl1pPr algn="l" defTabSz="914400" rtl="0" eaLnBrk="1" latinLnBrk="0" hangingPunct="1">
+              <a:lnSpc>
+                <a:spcPct val="90000"/>
+              </a:lnSpc>
+              <a:spcBef>
+                <a:spcPct val="0"/>
+              </a:spcBef>
+              <a:buNone/>
+              <a:defRPr sz="4400" kern="1200">
+                <a:solidFill>
+                  <a:schemeClr val="tx1"/>
+                </a:solidFill>
+                <a:latin typeface="+mj-lt"/>
+                <a:ea typeface="+mj-ea"/>
+                <a:cs typeface="+mj-cs"/>
+              </a:defRPr>
+            </a:lvl1pPr>
+          </a:lstStyle>
+          <a:p>
+            <a:r>
+              <a:rPr lang="hu-HU" sz="10000" b="1" dirty="0">
+                <a:solidFill>
+                  <a:schemeClr val="bg1"/>
+                </a:solidFill>
+                <a:latin typeface="Bauhaus 93" panose="04030905020B02020C02" pitchFamily="82" charset="0"/>
+              </a:rPr>
+              <a:t>Részletek - 02 </a:t>
+            </a:r>
+          </a:p>
+        </p:txBody>
+      </p:sp>
+      <p:pic>
+        <p:nvPicPr>
+          <p:cNvPr id="5" name="Kép 4">
+            <a:extLst>
+              <a:ext uri="{FF2B5EF4-FFF2-40B4-BE49-F238E27FC236}">
+                <a16:creationId xmlns:a16="http://schemas.microsoft.com/office/drawing/2014/main" id="{E57C33E8-0875-7159-9560-B55028A21447}"/>
+              </a:ext>
+            </a:extLst>
+          </p:cNvPr>
+          <p:cNvPicPr>
+            <a:picLocks noChangeAspect="1"/>
+          </p:cNvPicPr>
+          <p:nvPr/>
+        </p:nvPicPr>
+        <p:blipFill>
+          <a:blip r:embed="rId2"/>
+          <a:stretch>
+            <a:fillRect/>
+          </a:stretch>
+        </p:blipFill>
+        <p:spPr>
+          <a:xfrm>
+            <a:off x="5696282" y="2139352"/>
+            <a:ext cx="6007918" cy="3585754"/>
+          </a:xfrm>
+          <a:prstGeom prst="rect">
+            <a:avLst/>
+          </a:prstGeom>
+        </p:spPr>
+      </p:pic>
+      <p:pic>
+        <p:nvPicPr>
+          <p:cNvPr id="7" name="Kép 6">
+            <a:extLst>
+              <a:ext uri="{FF2B5EF4-FFF2-40B4-BE49-F238E27FC236}">
+                <a16:creationId xmlns:a16="http://schemas.microsoft.com/office/drawing/2014/main" id="{76E4AB0C-3757-6A7A-D63F-825C554D174F}"/>
+              </a:ext>
+            </a:extLst>
+          </p:cNvPr>
+          <p:cNvPicPr>
+            <a:picLocks noChangeAspect="1"/>
+          </p:cNvPicPr>
+          <p:nvPr/>
+        </p:nvPicPr>
+        <p:blipFill>
+          <a:blip r:embed="rId3"/>
+          <a:stretch>
+            <a:fillRect/>
+          </a:stretch>
+        </p:blipFill>
+        <p:spPr>
+          <a:xfrm>
+            <a:off x="40619" y="1380225"/>
+            <a:ext cx="5463985" cy="5190227"/>
+          </a:xfrm>
+          <a:prstGeom prst="rect">
+            <a:avLst/>
+          </a:prstGeom>
+        </p:spPr>
+      </p:pic>
+    </p:spTree>
+    <p:extLst>
+      <p:ext uri="{BB962C8B-B14F-4D97-AF65-F5344CB8AC3E}">
+        <p14:creationId xmlns:p14="http://schemas.microsoft.com/office/powerpoint/2010/main" val="2541080901"/>
+      </p:ext>
+    </p:extLst>
+  </p:cSld>
+  <p:clrMapOvr>
+    <a:masterClrMapping/>
+  </p:clrMapOvr>
+  <p:transition spd="slow">
+    <p:push dir="u"/>
+  </p:transition>
+</p:sld>
+</file>
+
+<file path=ppt/slides/slide7.xml><?xml version="1.0" encoding="utf-8"?>
+<p:sld xmlns:a="http://schemas.openxmlformats.org/drawingml/2006/main" xmlns:r="http://schemas.openxmlformats.org/officeDocument/2006/relationships" xmlns:p="http://schemas.openxmlformats.org/presentationml/2006/main">
+  <p:cSld>
+    <p:bg>
+      <p:bgPr>
+        <a:solidFill>
+          <a:srgbClr val="282C34"/>
+        </a:solidFill>
+        <a:effectLst/>
+      </p:bgPr>
+    </p:bg>
+    <p:spTree>
+      <p:nvGrpSpPr>
+        <p:cNvPr id="1" name="">
+          <a:extLst>
+            <a:ext uri="{FF2B5EF4-FFF2-40B4-BE49-F238E27FC236}">
+              <a16:creationId xmlns:a16="http://schemas.microsoft.com/office/drawing/2014/main" id="{82689034-0C77-C69A-D854-FC91D4D82CEA}"/>
+            </a:ext>
+          </a:extLst>
+        </p:cNvPr>
+        <p:cNvGrpSpPr/>
+        <p:nvPr/>
+      </p:nvGrpSpPr>
+      <p:grpSpPr>
+        <a:xfrm>
+          <a:off x="0" y="0"/>
+          <a:ext cx="0" cy="0"/>
+          <a:chOff x="0" y="0"/>
+          <a:chExt cx="0" cy="0"/>
+        </a:xfrm>
+      </p:grpSpPr>
+      <p:sp>
+        <p:nvSpPr>
+          <p:cNvPr id="2" name="Cím 1">
+            <a:extLst>
+              <a:ext uri="{FF2B5EF4-FFF2-40B4-BE49-F238E27FC236}">
+                <a16:creationId xmlns:a16="http://schemas.microsoft.com/office/drawing/2014/main" id="{7371E6C8-3773-2A1A-075C-EE606D5003F6}"/>
+              </a:ext>
+            </a:extLst>
+          </p:cNvPr>
+          <p:cNvSpPr txBox="1">
+            <a:spLocks/>
+          </p:cNvSpPr>
+          <p:nvPr/>
+        </p:nvSpPr>
+        <p:spPr>
+          <a:xfrm>
+            <a:off x="40619" y="65155"/>
+            <a:ext cx="8522536" cy="1144622"/>
+          </a:xfrm>
+          <a:prstGeom prst="rect">
+            <a:avLst/>
+          </a:prstGeom>
+        </p:spPr>
+        <p:txBody>
+          <a:bodyPr>
+            <a:noAutofit/>
+          </a:bodyPr>
+          <a:lstStyle>
+            <a:lvl1pPr algn="l" defTabSz="914400" rtl="0" eaLnBrk="1" latinLnBrk="0" hangingPunct="1">
+              <a:lnSpc>
+                <a:spcPct val="90000"/>
+              </a:lnSpc>
+              <a:spcBef>
+                <a:spcPct val="0"/>
+              </a:spcBef>
+              <a:buNone/>
+              <a:defRPr sz="4400" kern="1200">
+                <a:solidFill>
+                  <a:schemeClr val="tx1"/>
+                </a:solidFill>
+                <a:latin typeface="+mj-lt"/>
+                <a:ea typeface="+mj-ea"/>
+                <a:cs typeface="+mj-cs"/>
+              </a:defRPr>
+            </a:lvl1pPr>
+          </a:lstStyle>
+          <a:p>
+            <a:r>
+              <a:rPr lang="hu-HU" sz="10000" b="1" dirty="0">
+                <a:solidFill>
+                  <a:schemeClr val="bg1"/>
+                </a:solidFill>
+                <a:latin typeface="Bauhaus 93" panose="04030905020B02020C02" pitchFamily="82" charset="0"/>
+              </a:rPr>
+              <a:t>Részletek - 03 </a:t>
+            </a:r>
+          </a:p>
+        </p:txBody>
+      </p:sp>
+      <p:pic>
+        <p:nvPicPr>
+          <p:cNvPr id="5" name="Kép 4">
+            <a:extLst>
+              <a:ext uri="{FF2B5EF4-FFF2-40B4-BE49-F238E27FC236}">
+                <a16:creationId xmlns:a16="http://schemas.microsoft.com/office/drawing/2014/main" id="{C319DEE8-D9A9-473D-6FE8-BE8B3F305885}"/>
+              </a:ext>
+            </a:extLst>
+          </p:cNvPr>
+          <p:cNvPicPr>
+            <a:picLocks noChangeAspect="1"/>
+          </p:cNvPicPr>
+          <p:nvPr/>
+        </p:nvPicPr>
+        <p:blipFill>
+          <a:blip r:embed="rId2"/>
+          <a:stretch>
+            <a:fillRect/>
+          </a:stretch>
+        </p:blipFill>
+        <p:spPr>
+          <a:xfrm>
+            <a:off x="0" y="1986441"/>
+            <a:ext cx="12192000" cy="3736258"/>
+          </a:xfrm>
+          <a:prstGeom prst="rect">
+            <a:avLst/>
+          </a:prstGeom>
+        </p:spPr>
+      </p:pic>
+    </p:spTree>
+    <p:extLst>
+      <p:ext uri="{BB962C8B-B14F-4D97-AF65-F5344CB8AC3E}">
+        <p14:creationId xmlns:p14="http://schemas.microsoft.com/office/powerpoint/2010/main" val="3623035619"/>
+      </p:ext>
+    </p:extLst>
+  </p:cSld>
+  <p:clrMapOvr>
+    <a:masterClrMapping/>
+  </p:clrMapOvr>
+  <p:transition spd="slow">
+    <p:push dir="u"/>
+  </p:transition>
+</p:sld>
+</file>
+
+<file path=ppt/slides/slide8.xml><?xml version="1.0" encoding="utf-8"?>
+<p:sld xmlns:a="http://schemas.openxmlformats.org/drawingml/2006/main" xmlns:r="http://schemas.openxmlformats.org/officeDocument/2006/relationships" xmlns:p="http://schemas.openxmlformats.org/presentationml/2006/main">
+  <p:cSld>
+    <p:bg>
+      <p:bgPr>
+        <a:solidFill>
           <a:schemeClr val="bg1"/>
         </a:solidFill>
         <a:effectLst/>
@@ -6219,7 +7040,7 @@
         <p:cNvPr id="1" name="">
           <a:extLst>
             <a:ext uri="{FF2B5EF4-FFF2-40B4-BE49-F238E27FC236}">
-              <a16:creationId xmlns:a16="http://schemas.microsoft.com/office/drawing/2014/main" id="{00C03660-699C-D554-03E8-9C495DA61C15}"/>
+              <a16:creationId xmlns:a16="http://schemas.microsoft.com/office/drawing/2014/main" id="{06EE45C3-4421-D3CD-21E6-3E04CE3A3559}"/>
             </a:ext>
           </a:extLst>
         </p:cNvPr>
@@ -6239,7 +7060,7 @@
           <p:cNvPr id="8" name="Rectangle 7">
             <a:extLst>
               <a:ext uri="{FF2B5EF4-FFF2-40B4-BE49-F238E27FC236}">
-                <a16:creationId xmlns:a16="http://schemas.microsoft.com/office/drawing/2014/main" id="{A3DC90AD-9792-E4D8-7444-B821C84306D4}"/>
+                <a16:creationId xmlns:a16="http://schemas.microsoft.com/office/drawing/2014/main" id="{BAE3D1F4-D15C-F5F9-626B-D044B716557C}"/>
               </a:ext>
               <a:ext uri="{C183D7F6-B498-43B3-948B-1728B52AA6E4}">
                 <adec:decorative xmlns:adec="http://schemas.microsoft.com/office/drawing/2017/decorative" val="1"/>
@@ -6315,7 +7136,7 @@
           <p:cNvPr id="10" name="Rectangle 9">
             <a:extLst>
               <a:ext uri="{FF2B5EF4-FFF2-40B4-BE49-F238E27FC236}">
-                <a16:creationId xmlns:a16="http://schemas.microsoft.com/office/drawing/2014/main" id="{3DC91669-7DF9-1837-3EE6-8C11B06C913B}"/>
+                <a16:creationId xmlns:a16="http://schemas.microsoft.com/office/drawing/2014/main" id="{16DCEC6D-4E40-B658-AC65-F7D31B72E905}"/>
               </a:ext>
               <a:ext uri="{C183D7F6-B498-43B3-948B-1728B52AA6E4}">
                 <adec:decorative xmlns:adec="http://schemas.microsoft.com/office/drawing/2017/decorative" val="1"/>
@@ -6388,7 +7209,7 @@
           <p:cNvPr id="12" name="Rectangle 11">
             <a:extLst>
               <a:ext uri="{FF2B5EF4-FFF2-40B4-BE49-F238E27FC236}">
-                <a16:creationId xmlns:a16="http://schemas.microsoft.com/office/drawing/2014/main" id="{F8E074EB-CCCC-CF6F-E6BB-4E39ADB30881}"/>
+                <a16:creationId xmlns:a16="http://schemas.microsoft.com/office/drawing/2014/main" id="{DF448CAE-DD78-982F-F013-34856B4CEA19}"/>
               </a:ext>
               <a:ext uri="{C183D7F6-B498-43B3-948B-1728B52AA6E4}">
                 <adec:decorative xmlns:adec="http://schemas.microsoft.com/office/drawing/2017/decorative" val="1"/>
@@ -6464,7 +7285,7 @@
           <p:cNvPr id="14" name="Rectangle 13">
             <a:extLst>
               <a:ext uri="{FF2B5EF4-FFF2-40B4-BE49-F238E27FC236}">
-                <a16:creationId xmlns:a16="http://schemas.microsoft.com/office/drawing/2014/main" id="{EF0C578F-9C13-19CE-BB38-AB8D817235E3}"/>
+                <a16:creationId xmlns:a16="http://schemas.microsoft.com/office/drawing/2014/main" id="{405630A7-8D35-3ECC-1C0C-CA691B1647BF}"/>
               </a:ext>
               <a:ext uri="{C183D7F6-B498-43B3-948B-1728B52AA6E4}">
                 <adec:decorative xmlns:adec="http://schemas.microsoft.com/office/drawing/2017/decorative" val="1"/>
@@ -6540,7 +7361,7 @@
           <p:cNvPr id="16" name="Oval 15">
             <a:extLst>
               <a:ext uri="{FF2B5EF4-FFF2-40B4-BE49-F238E27FC236}">
-                <a16:creationId xmlns:a16="http://schemas.microsoft.com/office/drawing/2014/main" id="{CF672B75-E87D-0E19-14B7-A09F68949786}"/>
+                <a16:creationId xmlns:a16="http://schemas.microsoft.com/office/drawing/2014/main" id="{24016618-0CAB-16A7-FD14-1EA54B80A479}"/>
               </a:ext>
               <a:ext uri="{C183D7F6-B498-43B3-948B-1728B52AA6E4}">
                 <adec:decorative xmlns:adec="http://schemas.microsoft.com/office/drawing/2017/decorative" val="1"/>
@@ -6617,7 +7438,7 @@
           <p:cNvPr id="18" name="Rectangle 17">
             <a:extLst>
               <a:ext uri="{FF2B5EF4-FFF2-40B4-BE49-F238E27FC236}">
-                <a16:creationId xmlns:a16="http://schemas.microsoft.com/office/drawing/2014/main" id="{AA54262E-EFAD-769B-CC54-B0AD02B0C783}"/>
+                <a16:creationId xmlns:a16="http://schemas.microsoft.com/office/drawing/2014/main" id="{6FB7DFB6-FD22-52BE-8A37-5E59D097B7CE}"/>
               </a:ext>
               <a:ext uri="{C183D7F6-B498-43B3-948B-1728B52AA6E4}">
                 <adec:decorative xmlns:adec="http://schemas.microsoft.com/office/drawing/2017/decorative" val="1"/>
@@ -6693,7 +7514,7 @@
           <p:cNvPr id="20" name="Rectangle 19">
             <a:extLst>
               <a:ext uri="{FF2B5EF4-FFF2-40B4-BE49-F238E27FC236}">
-                <a16:creationId xmlns:a16="http://schemas.microsoft.com/office/drawing/2014/main" id="{8C9B5D35-EB7C-E3C4-2880-6D1BB5751A88}"/>
+                <a16:creationId xmlns:a16="http://schemas.microsoft.com/office/drawing/2014/main" id="{F30A8FCD-F3C7-97C9-A6AA-0B96091CFCB8}"/>
               </a:ext>
               <a:ext uri="{C183D7F6-B498-43B3-948B-1728B52AA6E4}">
                 <adec:decorative xmlns:adec="http://schemas.microsoft.com/office/drawing/2017/decorative" val="1"/>
@@ -6766,10 +7587,10 @@
       </p:sp>
       <p:sp>
         <p:nvSpPr>
-          <p:cNvPr id="2" name="Cím 1">
-            <a:extLst>
-              <a:ext uri="{FF2B5EF4-FFF2-40B4-BE49-F238E27FC236}">
-                <a16:creationId xmlns:a16="http://schemas.microsoft.com/office/drawing/2014/main" id="{74E12A69-247B-382F-867E-2A6D25968DF6}"/>
+          <p:cNvPr id="5" name="Cím 1">
+            <a:extLst>
+              <a:ext uri="{FF2B5EF4-FFF2-40B4-BE49-F238E27FC236}">
+                <a16:creationId xmlns:a16="http://schemas.microsoft.com/office/drawing/2014/main" id="{2626339F-064F-D6E7-3EBD-0C88F32C5764}"/>
               </a:ext>
             </a:extLst>
           </p:cNvPr>
@@ -6782,8 +7603,8 @@
         </p:nvSpPr>
         <p:spPr>
           <a:xfrm>
-            <a:off x="63623" y="1667708"/>
-            <a:ext cx="6603508" cy="1144622"/>
+            <a:off x="185288" y="2616061"/>
+            <a:ext cx="11821421" cy="2557976"/>
           </a:xfrm>
         </p:spPr>
         <p:txBody>
@@ -6792,74 +7613,14 @@
           </a:bodyPr>
           <a:lstStyle/>
           <a:p>
-            <a:pPr algn="l"/>
-            <a:r>
-              <a:rPr lang="hu-HU" sz="10000" b="1" dirty="0">
+            <a:r>
+              <a:rPr lang="hu-HU" sz="16700" dirty="0">
                 <a:solidFill>
-                  <a:schemeClr val="bg1"/>
+                  <a:srgbClr val="FFFFFF"/>
                 </a:solidFill>
                 <a:latin typeface="Bauhaus 93" panose="04030905020B02020C02" pitchFamily="82" charset="0"/>
               </a:rPr>
-              <a:t>GitHub használata</a:t>
-            </a:r>
-          </a:p>
-        </p:txBody>
-      </p:sp>
-      <p:sp>
-        <p:nvSpPr>
-          <p:cNvPr id="4" name="Szövegdoboz 3">
-            <a:extLst>
-              <a:ext uri="{FF2B5EF4-FFF2-40B4-BE49-F238E27FC236}">
-                <a16:creationId xmlns:a16="http://schemas.microsoft.com/office/drawing/2014/main" id="{C0EFDF0A-4100-98A8-4527-58ADAE7E8465}"/>
-              </a:ext>
-            </a:extLst>
-          </p:cNvPr>
-          <p:cNvSpPr txBox="1"/>
-          <p:nvPr/>
-        </p:nvSpPr>
-        <p:spPr>
-          <a:xfrm>
-            <a:off x="1857555" y="3428141"/>
-            <a:ext cx="6320975" cy="1815882"/>
-          </a:xfrm>
-          <a:prstGeom prst="rect">
-            <a:avLst/>
-          </a:prstGeom>
-          <a:noFill/>
-        </p:spPr>
-        <p:txBody>
-          <a:bodyPr wrap="square" rtlCol="0">
-            <a:spAutoFit/>
-          </a:bodyPr>
-          <a:lstStyle/>
-          <a:p>
-            <a:pPr marL="285750" indent="-285750" fontAlgn="base">
-              <a:buFont typeface="Arial" panose="020B0604020202020204" pitchFamily="34" charset="0"/>
-              <a:buChar char="•"/>
-            </a:pPr>
-            <a:r>
-              <a:rPr lang="hu-HU" sz="2800" dirty="0">
-                <a:solidFill>
-                  <a:schemeClr val="bg1"/>
-                </a:solidFill>
-                <a:latin typeface="Arial Black" panose="020B0A04020102020204" pitchFamily="34" charset="0"/>
-              </a:rPr>
-              <a:t>Verziókövetés - változtatások/módosítások</a:t>
-            </a:r>
-          </a:p>
-          <a:p>
-            <a:pPr marL="285750" indent="-285750" fontAlgn="base">
-              <a:buFont typeface="Arial" panose="020B0604020202020204" pitchFamily="34" charset="0"/>
-              <a:buChar char="•"/>
-            </a:pPr>
-            <a:r>
-              <a:rPr lang="hu-HU" sz="2800" dirty="0">
-                <a:solidFill>
-                  <a:schemeClr val="bg1"/>
-                </a:solidFill>
-                <a:latin typeface="Arial Black" panose="020B0A04020102020204" pitchFamily="34" charset="0"/>
-              </a:rPr>
-              <a:t>Dokumentáció - README/projekt bemutatása</a:t>
+              <a:t>Köszönjük a figyelmet!</a:t>
             </a:r>
           </a:p>
         </p:txBody>
@@ -6867,625 +7628,7 @@
     </p:spTree>
     <p:extLst>
       <p:ext uri="{BB962C8B-B14F-4D97-AF65-F5344CB8AC3E}">
-        <p14:creationId xmlns:p14="http://schemas.microsoft.com/office/powerpoint/2010/main" val="2816748734"/>
-      </p:ext>
-    </p:extLst>
-  </p:cSld>
-  <p:clrMapOvr>
-    <a:masterClrMapping/>
-  </p:clrMapOvr>
-  <p:transition spd="slow">
-    <p:push dir="u"/>
-  </p:transition>
-</p:sld>
-</file>
-
-<file path=ppt/slides/slide5.xml><?xml version="1.0" encoding="utf-8"?>
-<p:sld xmlns:a="http://schemas.openxmlformats.org/drawingml/2006/main" xmlns:r="http://schemas.openxmlformats.org/officeDocument/2006/relationships" xmlns:p="http://schemas.openxmlformats.org/presentationml/2006/main">
-  <p:cSld>
-    <p:bg>
-      <p:bgPr>
-        <a:solidFill>
-          <a:schemeClr val="bg1"/>
-        </a:solidFill>
-        <a:effectLst/>
-      </p:bgPr>
-    </p:bg>
-    <p:spTree>
-      <p:nvGrpSpPr>
-        <p:cNvPr id="1" name="">
-          <a:extLst>
-            <a:ext uri="{FF2B5EF4-FFF2-40B4-BE49-F238E27FC236}">
-              <a16:creationId xmlns:a16="http://schemas.microsoft.com/office/drawing/2014/main" id="{0403E8FC-7E8D-1A9E-06B4-C65F7D19C42C}"/>
-            </a:ext>
-          </a:extLst>
-        </p:cNvPr>
-        <p:cNvGrpSpPr/>
-        <p:nvPr/>
-      </p:nvGrpSpPr>
-      <p:grpSpPr>
-        <a:xfrm>
-          <a:off x="0" y="0"/>
-          <a:ext cx="0" cy="0"/>
-          <a:chOff x="0" y="0"/>
-          <a:chExt cx="0" cy="0"/>
-        </a:xfrm>
-      </p:grpSpPr>
-      <p:sp useBgFill="1">
-        <p:nvSpPr>
-          <p:cNvPr id="8" name="Rectangle 7">
-            <a:extLst>
-              <a:ext uri="{FF2B5EF4-FFF2-40B4-BE49-F238E27FC236}">
-                <a16:creationId xmlns:a16="http://schemas.microsoft.com/office/drawing/2014/main" id="{0B7B0848-2E9D-23C4-164E-40365EC7A466}"/>
-              </a:ext>
-              <a:ext uri="{C183D7F6-B498-43B3-948B-1728B52AA6E4}">
-                <adec:decorative xmlns:adec="http://schemas.microsoft.com/office/drawing/2017/decorative" val="1"/>
-              </a:ext>
-            </a:extLst>
-          </p:cNvPr>
-          <p:cNvSpPr>
-            <a:spLocks noGrp="1" noRot="1" noChangeAspect="1" noMove="1" noResize="1" noEditPoints="1" noAdjustHandles="1" noChangeArrowheads="1" noChangeShapeType="1" noTextEdit="1"/>
-          </p:cNvSpPr>
-          <p:nvPr>
-            <p:extLst>
-              <p:ext uri="{386F3935-93C4-4BCD-93E2-E3B085C9AB24}">
-                <p16:designElem xmlns:p16="http://schemas.microsoft.com/office/powerpoint/2015/main" val="1"/>
-              </p:ext>
-            </p:extLst>
-          </p:nvPr>
-        </p:nvSpPr>
-        <p:spPr>
-          <a:xfrm>
-            <a:off x="0" y="0"/>
-            <a:ext cx="12192000" cy="6858000"/>
-          </a:xfrm>
-          <a:prstGeom prst="rect">
-            <a:avLst/>
-          </a:prstGeom>
-          <a:ln w="12700" cap="flat" cmpd="sng" algn="ctr">
-            <a:noFill/>
-            <a:prstDash val="solid"/>
-            <a:miter lim="800000"/>
-          </a:ln>
-          <a:effectLst/>
-          <a:extLst>
-            <a:ext uri="{91240B29-F687-4F45-9708-019B960494DF}">
-              <a14:hiddenLine xmlns:a14="http://schemas.microsoft.com/office/drawing/2010/main" w="12700" cap="flat" cmpd="sng" algn="ctr">
-                <a:solidFill>
-                  <a:schemeClr val="accent1">
-                    <a:shade val="50000"/>
-                  </a:schemeClr>
-                </a:solidFill>
-                <a:prstDash val="solid"/>
-                <a:miter lim="800000"/>
-              </a14:hiddenLine>
-            </a:ext>
-          </a:extLst>
-        </p:spPr>
-        <p:style>
-          <a:lnRef idx="2">
-            <a:schemeClr val="accent1">
-              <a:shade val="50000"/>
-            </a:schemeClr>
-          </a:lnRef>
-          <a:fillRef idx="1">
-            <a:schemeClr val="accent1"/>
-          </a:fillRef>
-          <a:effectRef idx="0">
-            <a:schemeClr val="accent1"/>
-          </a:effectRef>
-          <a:fontRef idx="minor">
-            <a:schemeClr val="lt1"/>
-          </a:fontRef>
-        </p:style>
-        <p:txBody>
-          <a:bodyPr rtlCol="0" anchor="ctr"/>
-          <a:lstStyle/>
-          <a:p>
-            <a:pPr algn="ctr"/>
-            <a:endParaRPr lang="en-US"/>
-          </a:p>
-        </p:txBody>
-      </p:sp>
-      <p:sp>
-        <p:nvSpPr>
-          <p:cNvPr id="10" name="Rectangle 9">
-            <a:extLst>
-              <a:ext uri="{FF2B5EF4-FFF2-40B4-BE49-F238E27FC236}">
-                <a16:creationId xmlns:a16="http://schemas.microsoft.com/office/drawing/2014/main" id="{1A63256F-04E9-3E04-8C8B-14715FEDF9C7}"/>
-              </a:ext>
-              <a:ext uri="{C183D7F6-B498-43B3-948B-1728B52AA6E4}">
-                <adec:decorative xmlns:adec="http://schemas.microsoft.com/office/drawing/2017/decorative" val="1"/>
-              </a:ext>
-            </a:extLst>
-          </p:cNvPr>
-          <p:cNvSpPr>
-            <a:spLocks noGrp="1" noRot="1" noChangeAspect="1" noMove="1" noResize="1" noEditPoints="1" noAdjustHandles="1" noChangeArrowheads="1" noChangeShapeType="1" noTextEdit="1"/>
-          </p:cNvSpPr>
-          <p:nvPr>
-            <p:extLst>
-              <p:ext uri="{386F3935-93C4-4BCD-93E2-E3B085C9AB24}">
-                <p16:designElem xmlns:p16="http://schemas.microsoft.com/office/powerpoint/2015/main" val="1"/>
-              </p:ext>
-            </p:extLst>
-          </p:nvPr>
-        </p:nvSpPr>
-        <p:spPr>
-          <a:xfrm>
-            <a:off x="0" y="-427"/>
-            <a:ext cx="12192001" cy="6858000"/>
-          </a:xfrm>
-          <a:prstGeom prst="rect">
-            <a:avLst/>
-          </a:prstGeom>
-          <a:gradFill>
-            <a:gsLst>
-              <a:gs pos="0">
-                <a:srgbClr val="000000"/>
-              </a:gs>
-              <a:gs pos="100000">
-                <a:schemeClr val="accent1">
-                  <a:lumMod val="75000"/>
-                </a:schemeClr>
-              </a:gs>
-            </a:gsLst>
-            <a:lin ang="15000000" scaled="0"/>
-          </a:gradFill>
-          <a:ln>
-            <a:noFill/>
-          </a:ln>
-        </p:spPr>
-        <p:style>
-          <a:lnRef idx="2">
-            <a:schemeClr val="accent1">
-              <a:shade val="50000"/>
-            </a:schemeClr>
-          </a:lnRef>
-          <a:fillRef idx="1">
-            <a:schemeClr val="accent1"/>
-          </a:fillRef>
-          <a:effectRef idx="0">
-            <a:schemeClr val="accent1"/>
-          </a:effectRef>
-          <a:fontRef idx="minor">
-            <a:schemeClr val="lt1"/>
-          </a:fontRef>
-        </p:style>
-        <p:txBody>
-          <a:bodyPr rtlCol="0" anchor="ctr"/>
-          <a:lstStyle/>
-          <a:p>
-            <a:pPr algn="ctr"/>
-            <a:endParaRPr lang="en-US"/>
-          </a:p>
-        </p:txBody>
-      </p:sp>
-      <p:sp>
-        <p:nvSpPr>
-          <p:cNvPr id="12" name="Rectangle 11">
-            <a:extLst>
-              <a:ext uri="{FF2B5EF4-FFF2-40B4-BE49-F238E27FC236}">
-                <a16:creationId xmlns:a16="http://schemas.microsoft.com/office/drawing/2014/main" id="{76C89A4F-79A1-C845-4702-FA15BB565A48}"/>
-              </a:ext>
-              <a:ext uri="{C183D7F6-B498-43B3-948B-1728B52AA6E4}">
-                <adec:decorative xmlns:adec="http://schemas.microsoft.com/office/drawing/2017/decorative" val="1"/>
-              </a:ext>
-            </a:extLst>
-          </p:cNvPr>
-          <p:cNvSpPr>
-            <a:spLocks noGrp="1" noRot="1" noChangeAspect="1" noMove="1" noResize="1" noEditPoints="1" noAdjustHandles="1" noChangeArrowheads="1" noChangeShapeType="1" noTextEdit="1"/>
-          </p:cNvSpPr>
-          <p:nvPr>
-            <p:extLst>
-              <p:ext uri="{386F3935-93C4-4BCD-93E2-E3B085C9AB24}">
-                <p16:designElem xmlns:p16="http://schemas.microsoft.com/office/powerpoint/2015/main" val="1"/>
-              </p:ext>
-            </p:extLst>
-          </p:nvPr>
-        </p:nvSpPr>
-        <p:spPr>
-          <a:xfrm rot="10800000" flipH="1">
-            <a:off x="455521" y="-1720"/>
-            <a:ext cx="11750040" cy="6840685"/>
-          </a:xfrm>
-          <a:prstGeom prst="rect">
-            <a:avLst/>
-          </a:prstGeom>
-          <a:gradFill>
-            <a:gsLst>
-              <a:gs pos="21000">
-                <a:schemeClr val="accent1">
-                  <a:lumMod val="50000"/>
-                  <a:alpha val="61000"/>
-                </a:schemeClr>
-              </a:gs>
-              <a:gs pos="100000">
-                <a:schemeClr val="accent1">
-                  <a:alpha val="0"/>
-                </a:schemeClr>
-              </a:gs>
-            </a:gsLst>
-            <a:lin ang="21594000" scaled="0"/>
-          </a:gradFill>
-          <a:ln>
-            <a:noFill/>
-          </a:ln>
-        </p:spPr>
-        <p:style>
-          <a:lnRef idx="2">
-            <a:schemeClr val="accent1">
-              <a:shade val="50000"/>
-            </a:schemeClr>
-          </a:lnRef>
-          <a:fillRef idx="1">
-            <a:schemeClr val="accent1"/>
-          </a:fillRef>
-          <a:effectRef idx="0">
-            <a:schemeClr val="accent1"/>
-          </a:effectRef>
-          <a:fontRef idx="minor">
-            <a:schemeClr val="lt1"/>
-          </a:fontRef>
-        </p:style>
-        <p:txBody>
-          <a:bodyPr rtlCol="0" anchor="ctr"/>
-          <a:lstStyle/>
-          <a:p>
-            <a:pPr algn="ctr"/>
-            <a:endParaRPr lang="en-US"/>
-          </a:p>
-        </p:txBody>
-      </p:sp>
-      <p:sp>
-        <p:nvSpPr>
-          <p:cNvPr id="14" name="Rectangle 13">
-            <a:extLst>
-              <a:ext uri="{FF2B5EF4-FFF2-40B4-BE49-F238E27FC236}">
-                <a16:creationId xmlns:a16="http://schemas.microsoft.com/office/drawing/2014/main" id="{E3051ADE-A3DD-21AA-6F43-8DC75C876106}"/>
-              </a:ext>
-              <a:ext uri="{C183D7F6-B498-43B3-948B-1728B52AA6E4}">
-                <adec:decorative xmlns:adec="http://schemas.microsoft.com/office/drawing/2017/decorative" val="1"/>
-              </a:ext>
-            </a:extLst>
-          </p:cNvPr>
-          <p:cNvSpPr>
-            <a:spLocks noGrp="1" noRot="1" noChangeAspect="1" noMove="1" noResize="1" noEditPoints="1" noAdjustHandles="1" noChangeArrowheads="1" noChangeShapeType="1" noTextEdit="1"/>
-          </p:cNvSpPr>
-          <p:nvPr>
-            <p:extLst>
-              <p:ext uri="{386F3935-93C4-4BCD-93E2-E3B085C9AB24}">
-                <p16:designElem xmlns:p16="http://schemas.microsoft.com/office/powerpoint/2015/main" val="1"/>
-              </p:ext>
-            </p:extLst>
-          </p:nvPr>
-        </p:nvSpPr>
-        <p:spPr>
-          <a:xfrm>
-            <a:off x="8606054" y="-1291"/>
-            <a:ext cx="3608179" cy="6858864"/>
-          </a:xfrm>
-          <a:prstGeom prst="rect">
-            <a:avLst/>
-          </a:prstGeom>
-          <a:gradFill>
-            <a:gsLst>
-              <a:gs pos="0">
-                <a:schemeClr val="accent1">
-                  <a:lumMod val="75000"/>
-                  <a:alpha val="0"/>
-                </a:schemeClr>
-              </a:gs>
-              <a:gs pos="99000">
-                <a:srgbClr val="000000">
-                  <a:alpha val="41000"/>
-                </a:srgbClr>
-              </a:gs>
-            </a:gsLst>
-            <a:lin ang="16200000" scaled="0"/>
-          </a:gradFill>
-          <a:ln>
-            <a:noFill/>
-          </a:ln>
-        </p:spPr>
-        <p:style>
-          <a:lnRef idx="2">
-            <a:schemeClr val="accent1">
-              <a:shade val="50000"/>
-            </a:schemeClr>
-          </a:lnRef>
-          <a:fillRef idx="1">
-            <a:schemeClr val="accent1"/>
-          </a:fillRef>
-          <a:effectRef idx="0">
-            <a:schemeClr val="accent1"/>
-          </a:effectRef>
-          <a:fontRef idx="minor">
-            <a:schemeClr val="lt1"/>
-          </a:fontRef>
-        </p:style>
-        <p:txBody>
-          <a:bodyPr rtlCol="0" anchor="ctr"/>
-          <a:lstStyle/>
-          <a:p>
-            <a:pPr algn="ctr"/>
-            <a:endParaRPr lang="en-US"/>
-          </a:p>
-        </p:txBody>
-      </p:sp>
-      <p:sp>
-        <p:nvSpPr>
-          <p:cNvPr id="16" name="Oval 15">
-            <a:extLst>
-              <a:ext uri="{FF2B5EF4-FFF2-40B4-BE49-F238E27FC236}">
-                <a16:creationId xmlns:a16="http://schemas.microsoft.com/office/drawing/2014/main" id="{58D6BE6A-2231-2B74-2DDF-1BBA0C5201D2}"/>
-              </a:ext>
-              <a:ext uri="{C183D7F6-B498-43B3-948B-1728B52AA6E4}">
-                <adec:decorative xmlns:adec="http://schemas.microsoft.com/office/drawing/2017/decorative" val="1"/>
-              </a:ext>
-            </a:extLst>
-          </p:cNvPr>
-          <p:cNvSpPr>
-            <a:spLocks noGrp="1" noRot="1" noChangeAspect="1" noMove="1" noResize="1" noEditPoints="1" noAdjustHandles="1" noChangeArrowheads="1" noChangeShapeType="1" noTextEdit="1"/>
-          </p:cNvSpPr>
-          <p:nvPr>
-            <p:extLst>
-              <p:ext uri="{386F3935-93C4-4BCD-93E2-E3B085C9AB24}">
-                <p16:designElem xmlns:p16="http://schemas.microsoft.com/office/powerpoint/2015/main" val="1"/>
-              </p:ext>
-            </p:extLst>
-          </p:nvPr>
-        </p:nvSpPr>
-        <p:spPr>
-          <a:xfrm rot="15274173">
-            <a:off x="6059728" y="779270"/>
-            <a:ext cx="4967533" cy="4988390"/>
-          </a:xfrm>
-          <a:prstGeom prst="ellipse">
-            <a:avLst/>
-          </a:prstGeom>
-          <a:gradFill>
-            <a:gsLst>
-              <a:gs pos="0">
-                <a:schemeClr val="accent1">
-                  <a:alpha val="24000"/>
-                </a:schemeClr>
-              </a:gs>
-              <a:gs pos="79000">
-                <a:schemeClr val="accent1">
-                  <a:lumMod val="60000"/>
-                  <a:lumOff val="40000"/>
-                  <a:alpha val="0"/>
-                </a:schemeClr>
-              </a:gs>
-            </a:gsLst>
-            <a:lin ang="14400000" scaled="0"/>
-          </a:gradFill>
-          <a:ln>
-            <a:noFill/>
-          </a:ln>
-        </p:spPr>
-        <p:style>
-          <a:lnRef idx="2">
-            <a:schemeClr val="accent1">
-              <a:shade val="50000"/>
-            </a:schemeClr>
-          </a:lnRef>
-          <a:fillRef idx="1">
-            <a:schemeClr val="accent1"/>
-          </a:fillRef>
-          <a:effectRef idx="0">
-            <a:schemeClr val="accent1"/>
-          </a:effectRef>
-          <a:fontRef idx="minor">
-            <a:schemeClr val="lt1"/>
-          </a:fontRef>
-        </p:style>
-        <p:txBody>
-          <a:bodyPr rtlCol="0" anchor="ctr"/>
-          <a:lstStyle/>
-          <a:p>
-            <a:pPr algn="ctr"/>
-            <a:endParaRPr lang="en-US" dirty="0"/>
-          </a:p>
-        </p:txBody>
-      </p:sp>
-      <p:sp>
-        <p:nvSpPr>
-          <p:cNvPr id="18" name="Rectangle 17">
-            <a:extLst>
-              <a:ext uri="{FF2B5EF4-FFF2-40B4-BE49-F238E27FC236}">
-                <a16:creationId xmlns:a16="http://schemas.microsoft.com/office/drawing/2014/main" id="{6560F338-7E6F-B758-B4FD-2FA679AB2A81}"/>
-              </a:ext>
-              <a:ext uri="{C183D7F6-B498-43B3-948B-1728B52AA6E4}">
-                <adec:decorative xmlns:adec="http://schemas.microsoft.com/office/drawing/2017/decorative" val="1"/>
-              </a:ext>
-            </a:extLst>
-          </p:cNvPr>
-          <p:cNvSpPr>
-            <a:spLocks noGrp="1" noRot="1" noChangeAspect="1" noMove="1" noResize="1" noEditPoints="1" noAdjustHandles="1" noChangeArrowheads="1" noChangeShapeType="1" noTextEdit="1"/>
-          </p:cNvSpPr>
-          <p:nvPr>
-            <p:extLst>
-              <p:ext uri="{386F3935-93C4-4BCD-93E2-E3B085C9AB24}">
-                <p16:designElem xmlns:p16="http://schemas.microsoft.com/office/powerpoint/2015/main" val="1"/>
-              </p:ext>
-            </p:extLst>
-          </p:nvPr>
-        </p:nvSpPr>
-        <p:spPr>
-          <a:xfrm rot="10800000" flipH="1">
-            <a:off x="6314" y="4480038"/>
-            <a:ext cx="12179371" cy="2377962"/>
-          </a:xfrm>
-          <a:prstGeom prst="rect">
-            <a:avLst/>
-          </a:prstGeom>
-          <a:gradFill>
-            <a:gsLst>
-              <a:gs pos="0">
-                <a:schemeClr val="accent1">
-                  <a:lumMod val="75000"/>
-                  <a:alpha val="50000"/>
-                </a:schemeClr>
-              </a:gs>
-              <a:gs pos="99000">
-                <a:srgbClr val="000000">
-                  <a:alpha val="34000"/>
-                </a:srgbClr>
-              </a:gs>
-            </a:gsLst>
-            <a:lin ang="17400000" scaled="0"/>
-          </a:gradFill>
-          <a:ln>
-            <a:noFill/>
-          </a:ln>
-        </p:spPr>
-        <p:style>
-          <a:lnRef idx="2">
-            <a:schemeClr val="accent1">
-              <a:shade val="50000"/>
-            </a:schemeClr>
-          </a:lnRef>
-          <a:fillRef idx="1">
-            <a:schemeClr val="accent1"/>
-          </a:fillRef>
-          <a:effectRef idx="0">
-            <a:schemeClr val="accent1"/>
-          </a:effectRef>
-          <a:fontRef idx="minor">
-            <a:schemeClr val="lt1"/>
-          </a:fontRef>
-        </p:style>
-        <p:txBody>
-          <a:bodyPr rtlCol="0" anchor="ctr"/>
-          <a:lstStyle/>
-          <a:p>
-            <a:pPr algn="ctr"/>
-            <a:endParaRPr lang="en-US"/>
-          </a:p>
-        </p:txBody>
-      </p:sp>
-      <p:sp>
-        <p:nvSpPr>
-          <p:cNvPr id="20" name="Rectangle 19">
-            <a:extLst>
-              <a:ext uri="{FF2B5EF4-FFF2-40B4-BE49-F238E27FC236}">
-                <a16:creationId xmlns:a16="http://schemas.microsoft.com/office/drawing/2014/main" id="{DCCCF8AF-0169-1306-7335-8C60514A65FA}"/>
-              </a:ext>
-              <a:ext uri="{C183D7F6-B498-43B3-948B-1728B52AA6E4}">
-                <adec:decorative xmlns:adec="http://schemas.microsoft.com/office/drawing/2017/decorative" val="1"/>
-              </a:ext>
-            </a:extLst>
-          </p:cNvPr>
-          <p:cNvSpPr>
-            <a:spLocks noGrp="1" noRot="1" noChangeAspect="1" noMove="1" noResize="1" noEditPoints="1" noAdjustHandles="1" noChangeArrowheads="1" noChangeShapeType="1" noTextEdit="1"/>
-          </p:cNvSpPr>
-          <p:nvPr>
-            <p:extLst>
-              <p:ext uri="{386F3935-93C4-4BCD-93E2-E3B085C9AB24}">
-                <p16:designElem xmlns:p16="http://schemas.microsoft.com/office/powerpoint/2015/main" val="1"/>
-              </p:ext>
-            </p:extLst>
-          </p:nvPr>
-        </p:nvSpPr>
-        <p:spPr>
-          <a:xfrm rot="16200000" flipH="1">
-            <a:off x="6967085" y="1632660"/>
-            <a:ext cx="6857572" cy="3592258"/>
-          </a:xfrm>
-          <a:prstGeom prst="rect">
-            <a:avLst/>
-          </a:prstGeom>
-          <a:gradFill>
-            <a:gsLst>
-              <a:gs pos="0">
-                <a:schemeClr val="accent1">
-                  <a:lumMod val="75000"/>
-                  <a:alpha val="50000"/>
-                </a:schemeClr>
-              </a:gs>
-              <a:gs pos="99000">
-                <a:srgbClr val="000000">
-                  <a:alpha val="0"/>
-                </a:srgbClr>
-              </a:gs>
-            </a:gsLst>
-            <a:lin ang="15600000" scaled="0"/>
-          </a:gradFill>
-          <a:ln>
-            <a:noFill/>
-          </a:ln>
-        </p:spPr>
-        <p:style>
-          <a:lnRef idx="2">
-            <a:schemeClr val="accent1">
-              <a:shade val="50000"/>
-            </a:schemeClr>
-          </a:lnRef>
-          <a:fillRef idx="1">
-            <a:schemeClr val="accent1"/>
-          </a:fillRef>
-          <a:effectRef idx="0">
-            <a:schemeClr val="accent1"/>
-          </a:effectRef>
-          <a:fontRef idx="minor">
-            <a:schemeClr val="lt1"/>
-          </a:fontRef>
-        </p:style>
-        <p:txBody>
-          <a:bodyPr rtlCol="0" anchor="ctr"/>
-          <a:lstStyle/>
-          <a:p>
-            <a:pPr algn="ctr"/>
-            <a:endParaRPr lang="en-US"/>
-          </a:p>
-        </p:txBody>
-      </p:sp>
-      <p:sp>
-        <p:nvSpPr>
-          <p:cNvPr id="2" name="Cím 1">
-            <a:extLst>
-              <a:ext uri="{FF2B5EF4-FFF2-40B4-BE49-F238E27FC236}">
-                <a16:creationId xmlns:a16="http://schemas.microsoft.com/office/drawing/2014/main" id="{D6333C48-A707-8A1C-1B65-4495684CED66}"/>
-              </a:ext>
-            </a:extLst>
-          </p:cNvPr>
-          <p:cNvSpPr>
-            <a:spLocks noGrp="1"/>
-          </p:cNvSpPr>
-          <p:nvPr>
-            <p:ph type="ctrTitle"/>
-          </p:nvPr>
-        </p:nvSpPr>
-        <p:spPr>
-          <a:xfrm>
-            <a:off x="63623" y="1667708"/>
-            <a:ext cx="6603508" cy="1144622"/>
-          </a:xfrm>
-        </p:spPr>
-        <p:txBody>
-          <a:bodyPr>
-            <a:noAutofit/>
-          </a:bodyPr>
-          <a:lstStyle/>
-          <a:p>
-            <a:pPr algn="l"/>
-            <a:r>
-              <a:rPr lang="hu-HU" sz="10000" b="1" dirty="0">
-                <a:solidFill>
-                  <a:schemeClr val="bg1"/>
-                </a:solidFill>
-                <a:latin typeface="Bauhaus 93" panose="04030905020B02020C02" pitchFamily="82" charset="0"/>
-              </a:rPr>
-              <a:t>Részletek a kódból</a:t>
-            </a:r>
-          </a:p>
-        </p:txBody>
-      </p:sp>
-    </p:spTree>
-    <p:extLst>
-      <p:ext uri="{BB962C8B-B14F-4D97-AF65-F5344CB8AC3E}">
-        <p14:creationId xmlns:p14="http://schemas.microsoft.com/office/powerpoint/2010/main" val="3004801816"/>
+        <p14:creationId xmlns:p14="http://schemas.microsoft.com/office/powerpoint/2010/main" val="2013270960"/>
       </p:ext>
     </p:extLst>
   </p:cSld>
